--- a/ServerKitting.pptx
+++ b/ServerKitting.pptx
@@ -7,7 +7,10 @@
   <p:sldIdLst>
     <p:sldId id="256" r:id="rId2"/>
     <p:sldId id="259" r:id="rId3"/>
-    <p:sldId id="261" r:id="rId4"/>
+    <p:sldId id="262" r:id="rId4"/>
+    <p:sldId id="261" r:id="rId5"/>
+    <p:sldId id="263" r:id="rId6"/>
+    <p:sldId id="264" r:id="rId7"/>
   </p:sldIdLst>
   <p:sldSz cx="12192000" cy="6858000"/>
   <p:notesSz cx="6858000" cy="9144000"/>
@@ -106,7 +109,16 @@
       </a:defRPr>
     </a:lvl9pPr>
   </p:defaultTextStyle>
+  <p:extLst>
+    <p:ext uri="{EFAFB233-063F-42B5-8137-9DF3F51BA10A}">
+      <p15:sldGuideLst xmlns:p15="http://schemas.microsoft.com/office/powerpoint/2012/main"/>
+    </p:ext>
+  </p:extLst>
 </p:presentation>
+</file>
+
+<file path=ppt/revisionInfo.xml><?xml version="1.0" encoding="utf-8"?>
+<p1510:revInfo xmlns:a="http://schemas.openxmlformats.org/drawingml/2006/main" xmlns:r="http://schemas.openxmlformats.org/officeDocument/2006/relationships" xmlns:p1510="http://schemas.microsoft.com/office/powerpoint/2015/10/main"/>
 </file>
 
 <file path=ppt/slideLayouts/slideLayout1.xml><?xml version="1.0" encoding="utf-8"?>
@@ -3744,7 +3756,7 @@
           <p:nvPr>
             <p:extLst>
               <p:ext uri="{D42A27DB-BD31-4B8C-83A1-F6EECF244321}">
-                <p14:modId xmlns:p14="http://schemas.microsoft.com/office/powerpoint/2010/main" val="964366437"/>
+                <p14:modId xmlns:p14="http://schemas.microsoft.com/office/powerpoint/2010/main" val="1291718597"/>
               </p:ext>
             </p:extLst>
           </p:nvPr>
@@ -4268,11 +4280,19 @@
                     <a:lstStyle/>
                     <a:p>
                       <a:r>
-                        <a:rPr kumimoji="1" lang="en-US" altLang="ja-JP" sz="2400" dirty="0"/>
+                        <a:rPr kumimoji="1" lang="en-US" altLang="ja-JP" sz="2400" dirty="0">
+                          <a:solidFill>
+                            <a:srgbClr val="FF0000"/>
+                          </a:solidFill>
+                        </a:rPr>
                         <a:t>OS</a:t>
                       </a:r>
                       <a:r>
-                        <a:rPr kumimoji="1" lang="ja-JP" altLang="en-US" sz="2400" dirty="0"/>
+                        <a:rPr kumimoji="1" lang="ja-JP" altLang="en-US" sz="2400" dirty="0">
+                          <a:solidFill>
+                            <a:srgbClr val="FF0000"/>
+                          </a:solidFill>
+                        </a:rPr>
                         <a:t>インストール</a:t>
                       </a:r>
                     </a:p>
@@ -4300,18 +4320,13 @@
                     <a:p>
                       <a:pPr algn="ctr"/>
                       <a:r>
-                        <a:rPr kumimoji="1" lang="en-US" altLang="ja-JP" sz="2400" dirty="0">
+                        <a:rPr kumimoji="1" lang="ja-JP" altLang="en-US" sz="2400" dirty="0">
                           <a:solidFill>
                             <a:schemeClr val="tx1"/>
                           </a:solidFill>
                         </a:rPr>
-                        <a:t>-</a:t>
-                      </a:r>
-                      <a:endParaRPr kumimoji="1" lang="ja-JP" altLang="en-US" sz="2400" dirty="0">
-                        <a:solidFill>
-                          <a:schemeClr val="tx1"/>
-                        </a:solidFill>
-                      </a:endParaRPr>
+                        <a:t>〇</a:t>
+                      </a:r>
                     </a:p>
                   </a:txBody>
                   <a:tcPr/>
@@ -4770,6 +4785,689 @@
           <a:lstStyle/>
           <a:p>
             <a:r>
+              <a:rPr kumimoji="1" lang="ja-JP" altLang="en-US" dirty="0">
+                <a:latin typeface="Meiryo UI" panose="020B0604030504040204" pitchFamily="50" charset="-128"/>
+                <a:ea typeface="Meiryo UI" panose="020B0604030504040204" pitchFamily="50" charset="-128"/>
+              </a:rPr>
+              <a:t>事前セットアップパラメータ</a:t>
+            </a:r>
+          </a:p>
+        </p:txBody>
+      </p:sp>
+      <p:graphicFrame>
+        <p:nvGraphicFramePr>
+          <p:cNvPr id="6" name="表 5">
+            <a:extLst>
+              <a:ext uri="{FF2B5EF4-FFF2-40B4-BE49-F238E27FC236}">
+                <a16:creationId xmlns:a16="http://schemas.microsoft.com/office/drawing/2014/main" id="{A92D2A04-EB59-4EEB-BF0F-4D390A37D166}"/>
+              </a:ext>
+            </a:extLst>
+          </p:cNvPr>
+          <p:cNvGraphicFramePr>
+            <a:graphicFrameLocks noGrp="1"/>
+          </p:cNvGraphicFramePr>
+          <p:nvPr>
+            <p:extLst>
+              <p:ext uri="{D42A27DB-BD31-4B8C-83A1-F6EECF244321}">
+                <p14:modId xmlns:p14="http://schemas.microsoft.com/office/powerpoint/2010/main" val="3389921764"/>
+              </p:ext>
+            </p:extLst>
+          </p:nvPr>
+        </p:nvGraphicFramePr>
+        <p:xfrm>
+          <a:off x="996042" y="1534887"/>
+          <a:ext cx="10727872" cy="3180805"/>
+        </p:xfrm>
+        <a:graphic>
+          <a:graphicData uri="http://schemas.openxmlformats.org/drawingml/2006/table">
+            <a:tbl>
+              <a:tblPr firstRow="1" bandRow="1">
+                <a:tableStyleId>{8799B23B-EC83-4686-B30A-512413B5E67A}</a:tableStyleId>
+              </a:tblPr>
+              <a:tblGrid>
+                <a:gridCol w="996044">
+                  <a:extLst>
+                    <a:ext uri="{9D8B030D-6E8A-4147-A177-3AD203B41FA5}">
+                      <a16:colId xmlns:a16="http://schemas.microsoft.com/office/drawing/2014/main" val="2136060335"/>
+                    </a:ext>
+                  </a:extLst>
+                </a:gridCol>
+                <a:gridCol w="3608614">
+                  <a:extLst>
+                    <a:ext uri="{9D8B030D-6E8A-4147-A177-3AD203B41FA5}">
+                      <a16:colId xmlns:a16="http://schemas.microsoft.com/office/drawing/2014/main" val="632691624"/>
+                    </a:ext>
+                  </a:extLst>
+                </a:gridCol>
+                <a:gridCol w="6123214">
+                  <a:extLst>
+                    <a:ext uri="{9D8B030D-6E8A-4147-A177-3AD203B41FA5}">
+                      <a16:colId xmlns:a16="http://schemas.microsoft.com/office/drawing/2014/main" val="3524976882"/>
+                    </a:ext>
+                  </a:extLst>
+                </a:gridCol>
+              </a:tblGrid>
+              <a:tr h="555171">
+                <a:tc>
+                  <a:txBody>
+                    <a:bodyPr/>
+                    <a:lstStyle/>
+                    <a:p>
+                      <a:pPr algn="l"/>
+                      <a:r>
+                        <a:rPr kumimoji="1" lang="en-US" altLang="ja-JP" sz="2800" dirty="0">
+                          <a:latin typeface="Meiryo UI" panose="020B0604030504040204" pitchFamily="50" charset="-128"/>
+                          <a:ea typeface="Meiryo UI" panose="020B0604030504040204" pitchFamily="50" charset="-128"/>
+                        </a:rPr>
+                        <a:t>NO.</a:t>
+                      </a:r>
+                      <a:endParaRPr kumimoji="1" lang="ja-JP" altLang="en-US" sz="2800" dirty="0">
+                        <a:latin typeface="Meiryo UI" panose="020B0604030504040204" pitchFamily="50" charset="-128"/>
+                        <a:ea typeface="Meiryo UI" panose="020B0604030504040204" pitchFamily="50" charset="-128"/>
+                      </a:endParaRPr>
+                    </a:p>
+                  </a:txBody>
+                  <a:tcPr anchor="ctr"/>
+                </a:tc>
+                <a:tc>
+                  <a:txBody>
+                    <a:bodyPr/>
+                    <a:lstStyle/>
+                    <a:p>
+                      <a:pPr algn="l"/>
+                      <a:r>
+                        <a:rPr kumimoji="1" lang="ja-JP" altLang="en-US" sz="2800" dirty="0">
+                          <a:latin typeface="Meiryo UI" panose="020B0604030504040204" pitchFamily="50" charset="-128"/>
+                          <a:ea typeface="Meiryo UI" panose="020B0604030504040204" pitchFamily="50" charset="-128"/>
+                        </a:rPr>
+                        <a:t>作業項目</a:t>
+                      </a:r>
+                    </a:p>
+                  </a:txBody>
+                  <a:tcPr anchor="ctr"/>
+                </a:tc>
+                <a:tc>
+                  <a:txBody>
+                    <a:bodyPr/>
+                    <a:lstStyle/>
+                    <a:p>
+                      <a:pPr algn="l"/>
+                      <a:r>
+                        <a:rPr kumimoji="1" lang="ja-JP" altLang="en-US" sz="2800" dirty="0">
+                          <a:latin typeface="Meiryo UI" panose="020B0604030504040204" pitchFamily="50" charset="-128"/>
+                          <a:ea typeface="Meiryo UI" panose="020B0604030504040204" pitchFamily="50" charset="-128"/>
+                        </a:rPr>
+                        <a:t>パラメータ</a:t>
+                      </a:r>
+                    </a:p>
+                  </a:txBody>
+                  <a:tcPr anchor="ctr"/>
+                </a:tc>
+                <a:extLst>
+                  <a:ext uri="{0D108BD9-81ED-4DB2-BD59-A6C34878D82A}">
+                    <a16:rowId xmlns:a16="http://schemas.microsoft.com/office/drawing/2014/main" val="3454138952"/>
+                  </a:ext>
+                </a:extLst>
+              </a:tr>
+              <a:tr h="489857">
+                <a:tc>
+                  <a:txBody>
+                    <a:bodyPr/>
+                    <a:lstStyle/>
+                    <a:p>
+                      <a:pPr algn="r"/>
+                      <a:r>
+                        <a:rPr kumimoji="1" lang="en-US" altLang="ja-JP" sz="2400" dirty="0"/>
+                        <a:t>3</a:t>
+                      </a:r>
+                      <a:endParaRPr kumimoji="1" lang="ja-JP" altLang="en-US" sz="2400" dirty="0"/>
+                    </a:p>
+                  </a:txBody>
+                  <a:tcPr/>
+                </a:tc>
+                <a:tc>
+                  <a:txBody>
+                    <a:bodyPr/>
+                    <a:lstStyle/>
+                    <a:p>
+                      <a:r>
+                        <a:rPr kumimoji="1" lang="en-US" altLang="ja-JP" sz="2400" dirty="0">
+                          <a:solidFill>
+                            <a:srgbClr val="FF0000"/>
+                          </a:solidFill>
+                        </a:rPr>
+                        <a:t>RAID</a:t>
+                      </a:r>
+                      <a:r>
+                        <a:rPr kumimoji="1" lang="ja-JP" altLang="en-US" sz="2400" dirty="0">
+                          <a:solidFill>
+                            <a:srgbClr val="FF0000"/>
+                          </a:solidFill>
+                        </a:rPr>
+                        <a:t>設定</a:t>
+                      </a:r>
+                      <a:endParaRPr kumimoji="1" lang="en-US" altLang="ja-JP" sz="2400" dirty="0">
+                        <a:solidFill>
+                          <a:srgbClr val="FF0000"/>
+                        </a:solidFill>
+                      </a:endParaRPr>
+                    </a:p>
+                  </a:txBody>
+                  <a:tcPr/>
+                </a:tc>
+                <a:tc>
+                  <a:txBody>
+                    <a:bodyPr/>
+                    <a:lstStyle/>
+                    <a:p>
+                      <a:pPr algn="l"/>
+                      <a:r>
+                        <a:rPr kumimoji="1" lang="ja-JP" altLang="en-US" sz="2400" dirty="0">
+                          <a:solidFill>
+                            <a:schemeClr val="tx1"/>
+                          </a:solidFill>
+                        </a:rPr>
+                        <a:t>・</a:t>
+                      </a:r>
+                      <a:r>
+                        <a:rPr kumimoji="1" lang="en-US" altLang="ja-JP" sz="2400" dirty="0">
+                          <a:solidFill>
+                            <a:schemeClr val="tx1"/>
+                          </a:solidFill>
+                        </a:rPr>
+                        <a:t>RAID</a:t>
+                      </a:r>
+                      <a:r>
+                        <a:rPr kumimoji="1" lang="ja-JP" altLang="en-US" sz="2400" dirty="0">
+                          <a:solidFill>
+                            <a:schemeClr val="tx1"/>
+                          </a:solidFill>
+                        </a:rPr>
+                        <a:t>タイプ、構成ディスク</a:t>
+                      </a:r>
+                      <a:endParaRPr kumimoji="1" lang="en-US" altLang="ja-JP" sz="2400" dirty="0">
+                        <a:solidFill>
+                          <a:schemeClr val="tx1"/>
+                        </a:solidFill>
+                      </a:endParaRPr>
+                    </a:p>
+                  </a:txBody>
+                  <a:tcPr/>
+                </a:tc>
+                <a:extLst>
+                  <a:ext uri="{0D108BD9-81ED-4DB2-BD59-A6C34878D82A}">
+                    <a16:rowId xmlns:a16="http://schemas.microsoft.com/office/drawing/2014/main" val="978709307"/>
+                  </a:ext>
+                </a:extLst>
+              </a:tr>
+              <a:tr h="489857">
+                <a:tc>
+                  <a:txBody>
+                    <a:bodyPr/>
+                    <a:lstStyle/>
+                    <a:p>
+                      <a:pPr algn="r"/>
+                      <a:r>
+                        <a:rPr kumimoji="1" lang="en-US" altLang="ja-JP" sz="2400" dirty="0"/>
+                        <a:t>4</a:t>
+                      </a:r>
+                      <a:endParaRPr kumimoji="1" lang="ja-JP" altLang="en-US" sz="2400" dirty="0"/>
+                    </a:p>
+                  </a:txBody>
+                  <a:tcPr/>
+                </a:tc>
+                <a:tc>
+                  <a:txBody>
+                    <a:bodyPr/>
+                    <a:lstStyle/>
+                    <a:p>
+                      <a:pPr marL="0" marR="0" lvl="0" indent="0" algn="l" defTabSz="914400" rtl="0" eaLnBrk="1" fontAlgn="auto" latinLnBrk="0" hangingPunct="1">
+                        <a:lnSpc>
+                          <a:spcPct val="100000"/>
+                        </a:lnSpc>
+                        <a:spcBef>
+                          <a:spcPts val="0"/>
+                        </a:spcBef>
+                        <a:spcAft>
+                          <a:spcPts val="0"/>
+                        </a:spcAft>
+                        <a:buClrTx/>
+                        <a:buSzTx/>
+                        <a:buFontTx/>
+                        <a:buNone/>
+                        <a:tabLst/>
+                        <a:defRPr/>
+                      </a:pPr>
+                      <a:r>
+                        <a:rPr kumimoji="1" lang="en-US" altLang="ja-JP" sz="2400" dirty="0">
+                          <a:solidFill>
+                            <a:srgbClr val="FF0000"/>
+                          </a:solidFill>
+                        </a:rPr>
+                        <a:t>IMM</a:t>
+                      </a:r>
+                      <a:r>
+                        <a:rPr kumimoji="1" lang="ja-JP" altLang="en-US" sz="2400" dirty="0">
+                          <a:solidFill>
+                            <a:srgbClr val="FF0000"/>
+                          </a:solidFill>
+                        </a:rPr>
+                        <a:t>設定</a:t>
+                      </a:r>
+                      <a:endParaRPr kumimoji="1" lang="en-US" altLang="ja-JP" sz="2400" dirty="0">
+                        <a:solidFill>
+                          <a:srgbClr val="FF0000"/>
+                        </a:solidFill>
+                      </a:endParaRPr>
+                    </a:p>
+                  </a:txBody>
+                  <a:tcPr/>
+                </a:tc>
+                <a:tc>
+                  <a:txBody>
+                    <a:bodyPr/>
+                    <a:lstStyle/>
+                    <a:p>
+                      <a:pPr marL="0" marR="0" lvl="0" indent="0" algn="l" defTabSz="914400" rtl="0" eaLnBrk="1" fontAlgn="auto" latinLnBrk="0" hangingPunct="1">
+                        <a:lnSpc>
+                          <a:spcPct val="100000"/>
+                        </a:lnSpc>
+                        <a:spcBef>
+                          <a:spcPts val="0"/>
+                        </a:spcBef>
+                        <a:spcAft>
+                          <a:spcPts val="0"/>
+                        </a:spcAft>
+                        <a:buClrTx/>
+                        <a:buSzTx/>
+                        <a:buFontTx/>
+                        <a:buNone/>
+                        <a:tabLst/>
+                        <a:defRPr/>
+                      </a:pPr>
+                      <a:r>
+                        <a:rPr kumimoji="1" lang="ja-JP" altLang="en-US" sz="2400" dirty="0">
+                          <a:solidFill>
+                            <a:schemeClr val="tx1"/>
+                          </a:solidFill>
+                        </a:rPr>
+                        <a:t>・</a:t>
+                      </a:r>
+                      <a:r>
+                        <a:rPr kumimoji="1" lang="en-US" altLang="ja-JP" sz="2400" dirty="0">
+                          <a:solidFill>
+                            <a:schemeClr val="tx1"/>
+                          </a:solidFill>
+                        </a:rPr>
+                        <a:t>IMM</a:t>
+                      </a:r>
+                      <a:r>
+                        <a:rPr kumimoji="1" lang="ja-JP" altLang="en-US" sz="2400" dirty="0">
+                          <a:solidFill>
+                            <a:schemeClr val="tx1"/>
+                          </a:solidFill>
+                        </a:rPr>
+                        <a:t>用</a:t>
+                      </a:r>
+                      <a:r>
+                        <a:rPr kumimoji="1" lang="en-US" altLang="ja-JP" sz="2400" dirty="0">
+                          <a:solidFill>
+                            <a:schemeClr val="tx1"/>
+                          </a:solidFill>
+                        </a:rPr>
+                        <a:t>IP</a:t>
+                      </a:r>
+                      <a:r>
+                        <a:rPr kumimoji="1" lang="ja-JP" altLang="en-US" sz="2400" dirty="0">
+                          <a:solidFill>
+                            <a:schemeClr val="tx1"/>
+                          </a:solidFill>
+                        </a:rPr>
+                        <a:t>アドレス</a:t>
+                      </a:r>
+                      <a:endParaRPr kumimoji="1" lang="en-US" altLang="ja-JP" sz="2400" dirty="0">
+                        <a:solidFill>
+                          <a:schemeClr val="tx1"/>
+                        </a:solidFill>
+                      </a:endParaRPr>
+                    </a:p>
+                  </a:txBody>
+                  <a:tcPr/>
+                </a:tc>
+                <a:extLst>
+                  <a:ext uri="{0D108BD9-81ED-4DB2-BD59-A6C34878D82A}">
+                    <a16:rowId xmlns:a16="http://schemas.microsoft.com/office/drawing/2014/main" val="4243558997"/>
+                  </a:ext>
+                </a:extLst>
+              </a:tr>
+              <a:tr h="489857">
+                <a:tc>
+                  <a:txBody>
+                    <a:bodyPr/>
+                    <a:lstStyle/>
+                    <a:p>
+                      <a:pPr algn="r"/>
+                      <a:r>
+                        <a:rPr kumimoji="1" lang="en-US" altLang="ja-JP" sz="2400" dirty="0"/>
+                        <a:t>5</a:t>
+                      </a:r>
+                      <a:endParaRPr kumimoji="1" lang="ja-JP" altLang="en-US" sz="2400" dirty="0"/>
+                    </a:p>
+                  </a:txBody>
+                  <a:tcPr/>
+                </a:tc>
+                <a:tc>
+                  <a:txBody>
+                    <a:bodyPr/>
+                    <a:lstStyle/>
+                    <a:p>
+                      <a:r>
+                        <a:rPr kumimoji="1" lang="en-US" altLang="ja-JP" sz="2400" dirty="0">
+                          <a:solidFill>
+                            <a:srgbClr val="FF0000"/>
+                          </a:solidFill>
+                        </a:rPr>
+                        <a:t>OS</a:t>
+                      </a:r>
+                      <a:r>
+                        <a:rPr kumimoji="1" lang="ja-JP" altLang="en-US" sz="2400" dirty="0">
+                          <a:solidFill>
+                            <a:srgbClr val="FF0000"/>
+                          </a:solidFill>
+                        </a:rPr>
+                        <a:t>インストール</a:t>
+                      </a:r>
+                    </a:p>
+                  </a:txBody>
+                  <a:tcPr/>
+                </a:tc>
+                <a:tc>
+                  <a:txBody>
+                    <a:bodyPr/>
+                    <a:lstStyle/>
+                    <a:p>
+                      <a:pPr algn="l"/>
+                      <a:r>
+                        <a:rPr kumimoji="1" lang="ja-JP" altLang="en-US" sz="2400" dirty="0">
+                          <a:solidFill>
+                            <a:schemeClr val="tx1"/>
+                          </a:solidFill>
+                        </a:rPr>
+                        <a:t>・初期パーティション構成（容量等）</a:t>
+                      </a:r>
+                      <a:endParaRPr kumimoji="1" lang="en-US" altLang="ja-JP" sz="2400" dirty="0">
+                        <a:solidFill>
+                          <a:schemeClr val="tx1"/>
+                        </a:solidFill>
+                      </a:endParaRPr>
+                    </a:p>
+                    <a:p>
+                      <a:pPr algn="l"/>
+                      <a:r>
+                        <a:rPr kumimoji="1" lang="ja-JP" altLang="en-US" sz="2400" dirty="0">
+                          <a:solidFill>
+                            <a:schemeClr val="tx1"/>
+                          </a:solidFill>
+                        </a:rPr>
+                        <a:t>・初期パスワード</a:t>
+                      </a:r>
+                    </a:p>
+                  </a:txBody>
+                  <a:tcPr/>
+                </a:tc>
+                <a:extLst>
+                  <a:ext uri="{0D108BD9-81ED-4DB2-BD59-A6C34878D82A}">
+                    <a16:rowId xmlns:a16="http://schemas.microsoft.com/office/drawing/2014/main" val="326334439"/>
+                  </a:ext>
+                </a:extLst>
+              </a:tr>
+              <a:tr h="489857">
+                <a:tc>
+                  <a:txBody>
+                    <a:bodyPr/>
+                    <a:lstStyle/>
+                    <a:p>
+                      <a:pPr algn="r"/>
+                      <a:r>
+                        <a:rPr kumimoji="1" lang="en-US" altLang="ja-JP" sz="2400" dirty="0"/>
+                        <a:t>7</a:t>
+                      </a:r>
+                      <a:endParaRPr kumimoji="1" lang="ja-JP" altLang="en-US" sz="2400" dirty="0"/>
+                    </a:p>
+                  </a:txBody>
+                  <a:tcPr/>
+                </a:tc>
+                <a:tc>
+                  <a:txBody>
+                    <a:bodyPr/>
+                    <a:lstStyle/>
+                    <a:p>
+                      <a:pPr marL="0" marR="0" lvl="0" indent="0" algn="l" defTabSz="914400" rtl="0" eaLnBrk="1" fontAlgn="auto" latinLnBrk="0" hangingPunct="1">
+                        <a:lnSpc>
+                          <a:spcPct val="100000"/>
+                        </a:lnSpc>
+                        <a:spcBef>
+                          <a:spcPts val="0"/>
+                        </a:spcBef>
+                        <a:spcAft>
+                          <a:spcPts val="0"/>
+                        </a:spcAft>
+                        <a:buClrTx/>
+                        <a:buSzTx/>
+                        <a:buFontTx/>
+                        <a:buNone/>
+                        <a:tabLst/>
+                        <a:defRPr/>
+                      </a:pPr>
+                      <a:r>
+                        <a:rPr kumimoji="1" lang="en-US" altLang="ja-JP" sz="2400" dirty="0">
+                          <a:solidFill>
+                            <a:srgbClr val="FF0000"/>
+                          </a:solidFill>
+                        </a:rPr>
+                        <a:t>OS</a:t>
+                      </a:r>
+                      <a:r>
+                        <a:rPr kumimoji="1" lang="ja-JP" altLang="en-US" sz="2400" dirty="0">
+                          <a:solidFill>
+                            <a:srgbClr val="FF0000"/>
+                          </a:solidFill>
+                        </a:rPr>
+                        <a:t>初期パラメータ設定</a:t>
+                      </a:r>
+                      <a:endParaRPr kumimoji="1" lang="en-US" altLang="ja-JP" sz="2400" dirty="0">
+                        <a:solidFill>
+                          <a:srgbClr val="FF0000"/>
+                        </a:solidFill>
+                      </a:endParaRPr>
+                    </a:p>
+                  </a:txBody>
+                  <a:tcPr/>
+                </a:tc>
+                <a:tc>
+                  <a:txBody>
+                    <a:bodyPr/>
+                    <a:lstStyle/>
+                    <a:p>
+                      <a:pPr marL="0" marR="0" lvl="0" indent="0" algn="l" defTabSz="914400" rtl="0" eaLnBrk="1" fontAlgn="auto" latinLnBrk="0" hangingPunct="1">
+                        <a:lnSpc>
+                          <a:spcPct val="100000"/>
+                        </a:lnSpc>
+                        <a:spcBef>
+                          <a:spcPts val="0"/>
+                        </a:spcBef>
+                        <a:spcAft>
+                          <a:spcPts val="0"/>
+                        </a:spcAft>
+                        <a:buClrTx/>
+                        <a:buSzTx/>
+                        <a:buFontTx/>
+                        <a:buNone/>
+                        <a:tabLst/>
+                        <a:defRPr/>
+                      </a:pPr>
+                      <a:r>
+                        <a:rPr kumimoji="1" lang="ja-JP" altLang="en-US" sz="2400" dirty="0">
+                          <a:solidFill>
+                            <a:schemeClr val="tx1"/>
+                          </a:solidFill>
+                        </a:rPr>
+                        <a:t>・リモート接続用設定</a:t>
+                      </a:r>
+                      <a:endParaRPr kumimoji="1" lang="en-US" altLang="ja-JP" sz="2400" dirty="0">
+                        <a:solidFill>
+                          <a:schemeClr val="tx1"/>
+                        </a:solidFill>
+                      </a:endParaRPr>
+                    </a:p>
+                    <a:p>
+                      <a:pPr marL="0" marR="0" lvl="0" indent="0" algn="l" defTabSz="914400" rtl="0" eaLnBrk="1" fontAlgn="auto" latinLnBrk="0" hangingPunct="1">
+                        <a:lnSpc>
+                          <a:spcPct val="100000"/>
+                        </a:lnSpc>
+                        <a:spcBef>
+                          <a:spcPts val="0"/>
+                        </a:spcBef>
+                        <a:spcAft>
+                          <a:spcPts val="0"/>
+                        </a:spcAft>
+                        <a:buClrTx/>
+                        <a:buSzTx/>
+                        <a:buFontTx/>
+                        <a:buNone/>
+                        <a:tabLst/>
+                        <a:defRPr/>
+                      </a:pPr>
+                      <a:r>
+                        <a:rPr kumimoji="1" lang="ja-JP" altLang="en-US" sz="2400" dirty="0">
+                          <a:solidFill>
+                            <a:schemeClr val="tx1"/>
+                          </a:solidFill>
+                        </a:rPr>
+                        <a:t>・</a:t>
+                      </a:r>
+                      <a:r>
+                        <a:rPr kumimoji="1" lang="en-US" altLang="ja-JP" sz="2400" dirty="0">
+                          <a:solidFill>
+                            <a:schemeClr val="tx1"/>
+                          </a:solidFill>
+                        </a:rPr>
+                        <a:t>IP</a:t>
+                      </a:r>
+                      <a:r>
+                        <a:rPr kumimoji="1" lang="ja-JP" altLang="en-US" sz="2400" dirty="0">
+                          <a:solidFill>
+                            <a:schemeClr val="tx1"/>
+                          </a:solidFill>
+                        </a:rPr>
+                        <a:t>アドレス</a:t>
+                      </a:r>
+                      <a:endParaRPr kumimoji="1" lang="en-US" altLang="ja-JP" sz="2400" dirty="0">
+                        <a:solidFill>
+                          <a:schemeClr val="tx1"/>
+                        </a:solidFill>
+                      </a:endParaRPr>
+                    </a:p>
+                  </a:txBody>
+                  <a:tcPr/>
+                </a:tc>
+                <a:extLst>
+                  <a:ext uri="{0D108BD9-81ED-4DB2-BD59-A6C34878D82A}">
+                    <a16:rowId xmlns:a16="http://schemas.microsoft.com/office/drawing/2014/main" val="636692055"/>
+                  </a:ext>
+                </a:extLst>
+              </a:tr>
+            </a:tbl>
+          </a:graphicData>
+        </a:graphic>
+      </p:graphicFrame>
+      <p:sp>
+        <p:nvSpPr>
+          <p:cNvPr id="8" name="テキスト ボックス 7">
+            <a:extLst>
+              <a:ext uri="{FF2B5EF4-FFF2-40B4-BE49-F238E27FC236}">
+                <a16:creationId xmlns:a16="http://schemas.microsoft.com/office/drawing/2014/main" id="{144900B0-E188-4699-9D6A-E10337614A71}"/>
+              </a:ext>
+            </a:extLst>
+          </p:cNvPr>
+          <p:cNvSpPr txBox="1"/>
+          <p:nvPr/>
+        </p:nvSpPr>
+        <p:spPr>
+          <a:xfrm>
+            <a:off x="996043" y="6253843"/>
+            <a:ext cx="3877985" cy="369332"/>
+          </a:xfrm>
+          <a:prstGeom prst="rect">
+            <a:avLst/>
+          </a:prstGeom>
+          <a:noFill/>
+        </p:spPr>
+        <p:txBody>
+          <a:bodyPr wrap="none" rtlCol="0">
+            <a:spAutoFit/>
+          </a:bodyPr>
+          <a:lstStyle/>
+          <a:p>
+            <a:r>
+              <a:rPr kumimoji="1" lang="ja-JP" altLang="en-US" dirty="0"/>
+              <a:t>◎：実作業担当　○：設定情報提示</a:t>
+            </a:r>
+          </a:p>
+        </p:txBody>
+      </p:sp>
+    </p:spTree>
+    <p:extLst>
+      <p:ext uri="{BB962C8B-B14F-4D97-AF65-F5344CB8AC3E}">
+        <p14:creationId xmlns:p14="http://schemas.microsoft.com/office/powerpoint/2010/main" val="3488586826"/>
+      </p:ext>
+    </p:extLst>
+  </p:cSld>
+  <p:clrMapOvr>
+    <a:masterClrMapping/>
+  </p:clrMapOvr>
+</p:sld>
+</file>
+
+<file path=ppt/slides/slide4.xml><?xml version="1.0" encoding="utf-8"?>
+<p:sld xmlns:a="http://schemas.openxmlformats.org/drawingml/2006/main" xmlns:r="http://schemas.openxmlformats.org/officeDocument/2006/relationships" xmlns:p="http://schemas.openxmlformats.org/presentationml/2006/main">
+  <p:cSld>
+    <p:spTree>
+      <p:nvGrpSpPr>
+        <p:cNvPr id="1" name=""/>
+        <p:cNvGrpSpPr/>
+        <p:nvPr/>
+      </p:nvGrpSpPr>
+      <p:grpSpPr>
+        <a:xfrm>
+          <a:off x="0" y="0"/>
+          <a:ext cx="0" cy="0"/>
+          <a:chOff x="0" y="0"/>
+          <a:chExt cx="0" cy="0"/>
+        </a:xfrm>
+      </p:grpSpPr>
+      <p:sp>
+        <p:nvSpPr>
+          <p:cNvPr id="2" name="タイトル 1">
+            <a:extLst>
+              <a:ext uri="{FF2B5EF4-FFF2-40B4-BE49-F238E27FC236}">
+                <a16:creationId xmlns:a16="http://schemas.microsoft.com/office/drawing/2014/main" id="{A9E1D68D-A2FB-478C-8668-F55481893E5C}"/>
+              </a:ext>
+            </a:extLst>
+          </p:cNvPr>
+          <p:cNvSpPr>
+            <a:spLocks noGrp="1"/>
+          </p:cNvSpPr>
+          <p:nvPr>
+            <p:ph type="title"/>
+          </p:nvPr>
+        </p:nvSpPr>
+        <p:spPr/>
+        <p:txBody>
+          <a:bodyPr/>
+          <a:lstStyle/>
+          <a:p>
+            <a:r>
               <a:rPr lang="ja-JP" altLang="en-US" dirty="0">
                 <a:latin typeface="Meiryo UI" panose="020B0604030504040204" pitchFamily="50" charset="-128"/>
                 <a:ea typeface="Meiryo UI" panose="020B0604030504040204" pitchFamily="50" charset="-128"/>
@@ -4801,14 +5499,14 @@
           <p:nvPr>
             <p:extLst>
               <p:ext uri="{D42A27DB-BD31-4B8C-83A1-F6EECF244321}">
-                <p14:modId xmlns:p14="http://schemas.microsoft.com/office/powerpoint/2010/main" val="2741034821"/>
+                <p14:modId xmlns:p14="http://schemas.microsoft.com/office/powerpoint/2010/main" val="1668959387"/>
               </p:ext>
             </p:extLst>
           </p:nvPr>
         </p:nvGraphicFramePr>
         <p:xfrm>
           <a:off x="996043" y="1534887"/>
-          <a:ext cx="10727871" cy="3494313"/>
+          <a:ext cx="10727871" cy="3827416"/>
         </p:xfrm>
         <a:graphic>
           <a:graphicData uri="http://schemas.openxmlformats.org/drawingml/2006/table">
@@ -5028,7 +5726,15 @@
                       </a:r>
                       <a:r>
                         <a:rPr kumimoji="1" lang="ja-JP" altLang="en-US" sz="2400" dirty="0"/>
-                        <a:t>据え置き）</a:t>
+                        <a:t>据え置き）、</a:t>
+                      </a:r>
+                      <a:r>
+                        <a:rPr kumimoji="1" lang="en-US" altLang="ja-JP" sz="2400" dirty="0"/>
+                        <a:t>KVM</a:t>
+                      </a:r>
+                      <a:r>
+                        <a:rPr kumimoji="1" lang="ja-JP" altLang="en-US" sz="2400" dirty="0"/>
+                        <a:t>接続（ある場合）</a:t>
                       </a:r>
                       <a:endParaRPr kumimoji="1" lang="en-US" altLang="ja-JP" sz="2400" dirty="0"/>
                     </a:p>
@@ -5502,6 +6208,542 @@
     <p:extLst>
       <p:ext uri="{BB962C8B-B14F-4D97-AF65-F5344CB8AC3E}">
         <p14:creationId xmlns:p14="http://schemas.microsoft.com/office/powerpoint/2010/main" val="2043022829"/>
+      </p:ext>
+    </p:extLst>
+  </p:cSld>
+  <p:clrMapOvr>
+    <a:masterClrMapping/>
+  </p:clrMapOvr>
+</p:sld>
+</file>
+
+<file path=ppt/slides/slide5.xml><?xml version="1.0" encoding="utf-8"?>
+<p:sld xmlns:a="http://schemas.openxmlformats.org/drawingml/2006/main" xmlns:r="http://schemas.openxmlformats.org/officeDocument/2006/relationships" xmlns:p="http://schemas.openxmlformats.org/presentationml/2006/main">
+  <p:cSld>
+    <p:spTree>
+      <p:nvGrpSpPr>
+        <p:cNvPr id="1" name=""/>
+        <p:cNvGrpSpPr/>
+        <p:nvPr/>
+      </p:nvGrpSpPr>
+      <p:grpSpPr>
+        <a:xfrm>
+          <a:off x="0" y="0"/>
+          <a:ext cx="0" cy="0"/>
+          <a:chOff x="0" y="0"/>
+          <a:chExt cx="0" cy="0"/>
+        </a:xfrm>
+      </p:grpSpPr>
+      <p:sp>
+        <p:nvSpPr>
+          <p:cNvPr id="2" name="タイトル 1">
+            <a:extLst>
+              <a:ext uri="{FF2B5EF4-FFF2-40B4-BE49-F238E27FC236}">
+                <a16:creationId xmlns:a16="http://schemas.microsoft.com/office/drawing/2014/main" id="{A9E1D68D-A2FB-478C-8668-F55481893E5C}"/>
+              </a:ext>
+            </a:extLst>
+          </p:cNvPr>
+          <p:cNvSpPr>
+            <a:spLocks noGrp="1"/>
+          </p:cNvSpPr>
+          <p:nvPr>
+            <p:ph type="title"/>
+          </p:nvPr>
+        </p:nvSpPr>
+        <p:spPr/>
+        <p:txBody>
+          <a:bodyPr/>
+          <a:lstStyle/>
+          <a:p>
+            <a:r>
+              <a:rPr lang="ja-JP" altLang="en-US" dirty="0">
+                <a:latin typeface="Meiryo UI" panose="020B0604030504040204" pitchFamily="50" charset="-128"/>
+                <a:ea typeface="Meiryo UI" panose="020B0604030504040204" pitchFamily="50" charset="-128"/>
+              </a:rPr>
+              <a:t>現地</a:t>
+            </a:r>
+            <a:r>
+              <a:rPr kumimoji="1" lang="ja-JP" altLang="en-US" dirty="0">
+                <a:latin typeface="Meiryo UI" panose="020B0604030504040204" pitchFamily="50" charset="-128"/>
+                <a:ea typeface="Meiryo UI" panose="020B0604030504040204" pitchFamily="50" charset="-128"/>
+              </a:rPr>
+              <a:t>確認作業</a:t>
+            </a:r>
+          </a:p>
+        </p:txBody>
+      </p:sp>
+      <p:graphicFrame>
+        <p:nvGraphicFramePr>
+          <p:cNvPr id="6" name="表 5">
+            <a:extLst>
+              <a:ext uri="{FF2B5EF4-FFF2-40B4-BE49-F238E27FC236}">
+                <a16:creationId xmlns:a16="http://schemas.microsoft.com/office/drawing/2014/main" id="{A92D2A04-EB59-4EEB-BF0F-4D390A37D166}"/>
+              </a:ext>
+            </a:extLst>
+          </p:cNvPr>
+          <p:cNvGraphicFramePr>
+            <a:graphicFrameLocks noGrp="1"/>
+          </p:cNvGraphicFramePr>
+          <p:nvPr>
+            <p:extLst>
+              <p:ext uri="{D42A27DB-BD31-4B8C-83A1-F6EECF244321}">
+                <p14:modId xmlns:p14="http://schemas.microsoft.com/office/powerpoint/2010/main" val="1984619327"/>
+              </p:ext>
+            </p:extLst>
+          </p:nvPr>
+        </p:nvGraphicFramePr>
+        <p:xfrm>
+          <a:off x="996043" y="1534887"/>
+          <a:ext cx="10744200" cy="1534885"/>
+        </p:xfrm>
+        <a:graphic>
+          <a:graphicData uri="http://schemas.openxmlformats.org/drawingml/2006/table">
+            <a:tbl>
+              <a:tblPr firstRow="1" bandRow="1">
+                <a:tableStyleId>{8799B23B-EC83-4686-B30A-512413B5E67A}</a:tableStyleId>
+              </a:tblPr>
+              <a:tblGrid>
+                <a:gridCol w="1012371">
+                  <a:extLst>
+                    <a:ext uri="{9D8B030D-6E8A-4147-A177-3AD203B41FA5}">
+                      <a16:colId xmlns:a16="http://schemas.microsoft.com/office/drawing/2014/main" val="2136060335"/>
+                    </a:ext>
+                  </a:extLst>
+                </a:gridCol>
+                <a:gridCol w="6547757">
+                  <a:extLst>
+                    <a:ext uri="{9D8B030D-6E8A-4147-A177-3AD203B41FA5}">
+                      <a16:colId xmlns:a16="http://schemas.microsoft.com/office/drawing/2014/main" val="632691624"/>
+                    </a:ext>
+                  </a:extLst>
+                </a:gridCol>
+                <a:gridCol w="3184072">
+                  <a:extLst>
+                    <a:ext uri="{9D8B030D-6E8A-4147-A177-3AD203B41FA5}">
+                      <a16:colId xmlns:a16="http://schemas.microsoft.com/office/drawing/2014/main" val="3524976882"/>
+                    </a:ext>
+                  </a:extLst>
+                </a:gridCol>
+              </a:tblGrid>
+              <a:tr h="555171">
+                <a:tc>
+                  <a:txBody>
+                    <a:bodyPr/>
+                    <a:lstStyle/>
+                    <a:p>
+                      <a:pPr algn="l"/>
+                      <a:r>
+                        <a:rPr kumimoji="1" lang="en-US" altLang="ja-JP" sz="2800" dirty="0">
+                          <a:latin typeface="Meiryo UI" panose="020B0604030504040204" pitchFamily="50" charset="-128"/>
+                          <a:ea typeface="Meiryo UI" panose="020B0604030504040204" pitchFamily="50" charset="-128"/>
+                        </a:rPr>
+                        <a:t>NO.</a:t>
+                      </a:r>
+                      <a:endParaRPr kumimoji="1" lang="ja-JP" altLang="en-US" sz="2800" dirty="0">
+                        <a:latin typeface="Meiryo UI" panose="020B0604030504040204" pitchFamily="50" charset="-128"/>
+                        <a:ea typeface="Meiryo UI" panose="020B0604030504040204" pitchFamily="50" charset="-128"/>
+                      </a:endParaRPr>
+                    </a:p>
+                  </a:txBody>
+                  <a:tcPr anchor="ctr"/>
+                </a:tc>
+                <a:tc>
+                  <a:txBody>
+                    <a:bodyPr/>
+                    <a:lstStyle/>
+                    <a:p>
+                      <a:pPr algn="l"/>
+                      <a:r>
+                        <a:rPr kumimoji="1" lang="ja-JP" altLang="en-US" sz="2800" dirty="0">
+                          <a:latin typeface="Meiryo UI" panose="020B0604030504040204" pitchFamily="50" charset="-128"/>
+                          <a:ea typeface="Meiryo UI" panose="020B0604030504040204" pitchFamily="50" charset="-128"/>
+                        </a:rPr>
+                        <a:t>作業項目</a:t>
+                      </a:r>
+                    </a:p>
+                  </a:txBody>
+                  <a:tcPr anchor="ctr"/>
+                </a:tc>
+                <a:tc>
+                  <a:txBody>
+                    <a:bodyPr/>
+                    <a:lstStyle/>
+                    <a:p>
+                      <a:pPr algn="l"/>
+                      <a:r>
+                        <a:rPr kumimoji="1" lang="ja-JP" altLang="en-US" sz="2800" dirty="0">
+                          <a:latin typeface="Meiryo UI" panose="020B0604030504040204" pitchFamily="50" charset="-128"/>
+                          <a:ea typeface="Meiryo UI" panose="020B0604030504040204" pitchFamily="50" charset="-128"/>
+                        </a:rPr>
+                        <a:t>確認項目</a:t>
+                      </a:r>
+                    </a:p>
+                  </a:txBody>
+                  <a:tcPr anchor="ctr"/>
+                </a:tc>
+                <a:extLst>
+                  <a:ext uri="{0D108BD9-81ED-4DB2-BD59-A6C34878D82A}">
+                    <a16:rowId xmlns:a16="http://schemas.microsoft.com/office/drawing/2014/main" val="3454138952"/>
+                  </a:ext>
+                </a:extLst>
+              </a:tr>
+              <a:tr h="489857">
+                <a:tc>
+                  <a:txBody>
+                    <a:bodyPr/>
+                    <a:lstStyle/>
+                    <a:p>
+                      <a:pPr algn="r"/>
+                      <a:r>
+                        <a:rPr kumimoji="1" lang="en-US" altLang="ja-JP" sz="2400" dirty="0"/>
+                        <a:t>3</a:t>
+                      </a:r>
+                      <a:endParaRPr kumimoji="1" lang="ja-JP" altLang="en-US" sz="2400" dirty="0"/>
+                    </a:p>
+                  </a:txBody>
+                  <a:tcPr/>
+                </a:tc>
+                <a:tc>
+                  <a:txBody>
+                    <a:bodyPr/>
+                    <a:lstStyle/>
+                    <a:p>
+                      <a:r>
+                        <a:rPr kumimoji="1" lang="ja-JP" altLang="en-US" sz="2400" dirty="0">
+                          <a:solidFill>
+                            <a:srgbClr val="FF0000"/>
+                          </a:solidFill>
+                        </a:rPr>
+                        <a:t>電源ケーブル配線、</a:t>
+                      </a:r>
+                      <a:r>
+                        <a:rPr kumimoji="1" lang="en-US" altLang="ja-JP" sz="2400" dirty="0">
+                          <a:solidFill>
+                            <a:srgbClr val="FF0000"/>
+                          </a:solidFill>
+                        </a:rPr>
+                        <a:t>UPS</a:t>
+                      </a:r>
+                      <a:r>
+                        <a:rPr kumimoji="1" lang="ja-JP" altLang="en-US" sz="2400" dirty="0">
+                          <a:solidFill>
+                            <a:srgbClr val="FF0000"/>
+                          </a:solidFill>
+                        </a:rPr>
+                        <a:t>接続、通電確認</a:t>
+                      </a:r>
+                      <a:endParaRPr kumimoji="1" lang="en-US" altLang="ja-JP" sz="2400" dirty="0">
+                        <a:solidFill>
+                          <a:srgbClr val="FF0000"/>
+                        </a:solidFill>
+                      </a:endParaRPr>
+                    </a:p>
+                  </a:txBody>
+                  <a:tcPr/>
+                </a:tc>
+                <a:tc>
+                  <a:txBody>
+                    <a:bodyPr/>
+                    <a:lstStyle/>
+                    <a:p>
+                      <a:pPr algn="l"/>
+                      <a:r>
+                        <a:rPr kumimoji="1" lang="ja-JP" altLang="en-US" sz="2400" dirty="0">
+                          <a:solidFill>
+                            <a:schemeClr val="tx1"/>
+                          </a:solidFill>
+                        </a:rPr>
+                        <a:t>・</a:t>
+                      </a:r>
+                      <a:r>
+                        <a:rPr kumimoji="1" lang="en-US" altLang="ja-JP" sz="2400" dirty="0">
+                          <a:solidFill>
+                            <a:schemeClr val="tx1"/>
+                          </a:solidFill>
+                        </a:rPr>
+                        <a:t>UPS</a:t>
+                      </a:r>
+                      <a:r>
+                        <a:rPr kumimoji="1" lang="ja-JP" altLang="en-US" sz="2400" dirty="0">
+                          <a:solidFill>
+                            <a:schemeClr val="tx1"/>
+                          </a:solidFill>
+                        </a:rPr>
+                        <a:t>接続口</a:t>
+                      </a:r>
+                      <a:endParaRPr kumimoji="1" lang="en-US" altLang="ja-JP" sz="2400" dirty="0">
+                        <a:solidFill>
+                          <a:schemeClr val="tx1"/>
+                        </a:solidFill>
+                      </a:endParaRPr>
+                    </a:p>
+                  </a:txBody>
+                  <a:tcPr/>
+                </a:tc>
+                <a:extLst>
+                  <a:ext uri="{0D108BD9-81ED-4DB2-BD59-A6C34878D82A}">
+                    <a16:rowId xmlns:a16="http://schemas.microsoft.com/office/drawing/2014/main" val="978709307"/>
+                  </a:ext>
+                </a:extLst>
+              </a:tr>
+              <a:tr h="489857">
+                <a:tc>
+                  <a:txBody>
+                    <a:bodyPr/>
+                    <a:lstStyle/>
+                    <a:p>
+                      <a:pPr algn="r"/>
+                      <a:r>
+                        <a:rPr kumimoji="1" lang="en-US" altLang="ja-JP" sz="2400" dirty="0"/>
+                        <a:t>4</a:t>
+                      </a:r>
+                      <a:endParaRPr kumimoji="1" lang="ja-JP" altLang="en-US" sz="2400" dirty="0"/>
+                    </a:p>
+                  </a:txBody>
+                  <a:tcPr/>
+                </a:tc>
+                <a:tc>
+                  <a:txBody>
+                    <a:bodyPr/>
+                    <a:lstStyle/>
+                    <a:p>
+                      <a:pPr marL="0" marR="0" lvl="0" indent="0" algn="l" defTabSz="914400" rtl="0" eaLnBrk="1" fontAlgn="auto" latinLnBrk="0" hangingPunct="1">
+                        <a:lnSpc>
+                          <a:spcPct val="100000"/>
+                        </a:lnSpc>
+                        <a:spcBef>
+                          <a:spcPts val="0"/>
+                        </a:spcBef>
+                        <a:spcAft>
+                          <a:spcPts val="0"/>
+                        </a:spcAft>
+                        <a:buClrTx/>
+                        <a:buSzTx/>
+                        <a:buFontTx/>
+                        <a:buNone/>
+                        <a:tabLst/>
+                        <a:defRPr/>
+                      </a:pPr>
+                      <a:r>
+                        <a:rPr kumimoji="1" lang="en-US" altLang="ja-JP" sz="2400" dirty="0">
+                          <a:solidFill>
+                            <a:srgbClr val="FF0000"/>
+                          </a:solidFill>
+                        </a:rPr>
+                        <a:t>LAN</a:t>
+                      </a:r>
+                      <a:r>
+                        <a:rPr kumimoji="1" lang="ja-JP" altLang="en-US" sz="2400" dirty="0">
+                          <a:solidFill>
+                            <a:srgbClr val="FF0000"/>
+                          </a:solidFill>
+                        </a:rPr>
+                        <a:t>ケーブル配線、スイッチ接続</a:t>
+                      </a:r>
+                      <a:endParaRPr kumimoji="1" lang="en-US" altLang="ja-JP" sz="2400" dirty="0">
+                        <a:solidFill>
+                          <a:srgbClr val="FF0000"/>
+                        </a:solidFill>
+                      </a:endParaRPr>
+                    </a:p>
+                  </a:txBody>
+                  <a:tcPr/>
+                </a:tc>
+                <a:tc>
+                  <a:txBody>
+                    <a:bodyPr/>
+                    <a:lstStyle/>
+                    <a:p>
+                      <a:pPr marL="0" marR="0" lvl="0" indent="0" algn="l" defTabSz="914400" rtl="0" eaLnBrk="1" fontAlgn="auto" latinLnBrk="0" hangingPunct="1">
+                        <a:lnSpc>
+                          <a:spcPct val="100000"/>
+                        </a:lnSpc>
+                        <a:spcBef>
+                          <a:spcPts val="0"/>
+                        </a:spcBef>
+                        <a:spcAft>
+                          <a:spcPts val="0"/>
+                        </a:spcAft>
+                        <a:buClrTx/>
+                        <a:buSzTx/>
+                        <a:buFontTx/>
+                        <a:buNone/>
+                        <a:tabLst/>
+                        <a:defRPr/>
+                      </a:pPr>
+                      <a:r>
+                        <a:rPr kumimoji="1" lang="ja-JP" altLang="en-US" sz="2400" dirty="0">
+                          <a:solidFill>
+                            <a:schemeClr val="tx1"/>
+                          </a:solidFill>
+                        </a:rPr>
+                        <a:t>・スイッチ接続口</a:t>
+                      </a:r>
+                      <a:endParaRPr kumimoji="1" lang="en-US" altLang="ja-JP" sz="2400" dirty="0">
+                        <a:solidFill>
+                          <a:schemeClr val="tx1"/>
+                        </a:solidFill>
+                      </a:endParaRPr>
+                    </a:p>
+                  </a:txBody>
+                  <a:tcPr/>
+                </a:tc>
+                <a:extLst>
+                  <a:ext uri="{0D108BD9-81ED-4DB2-BD59-A6C34878D82A}">
+                    <a16:rowId xmlns:a16="http://schemas.microsoft.com/office/drawing/2014/main" val="4243558997"/>
+                  </a:ext>
+                </a:extLst>
+              </a:tr>
+            </a:tbl>
+          </a:graphicData>
+        </a:graphic>
+      </p:graphicFrame>
+      <p:sp>
+        <p:nvSpPr>
+          <p:cNvPr id="8" name="テキスト ボックス 7">
+            <a:extLst>
+              <a:ext uri="{FF2B5EF4-FFF2-40B4-BE49-F238E27FC236}">
+                <a16:creationId xmlns:a16="http://schemas.microsoft.com/office/drawing/2014/main" id="{144900B0-E188-4699-9D6A-E10337614A71}"/>
+              </a:ext>
+            </a:extLst>
+          </p:cNvPr>
+          <p:cNvSpPr txBox="1"/>
+          <p:nvPr/>
+        </p:nvSpPr>
+        <p:spPr>
+          <a:xfrm>
+            <a:off x="996043" y="6253843"/>
+            <a:ext cx="3877985" cy="369332"/>
+          </a:xfrm>
+          <a:prstGeom prst="rect">
+            <a:avLst/>
+          </a:prstGeom>
+          <a:noFill/>
+        </p:spPr>
+        <p:txBody>
+          <a:bodyPr wrap="none" rtlCol="0">
+            <a:spAutoFit/>
+          </a:bodyPr>
+          <a:lstStyle/>
+          <a:p>
+            <a:r>
+              <a:rPr kumimoji="1" lang="ja-JP" altLang="en-US" dirty="0"/>
+              <a:t>◎：実作業担当　○：設定情報提示</a:t>
+            </a:r>
+          </a:p>
+        </p:txBody>
+      </p:sp>
+    </p:spTree>
+    <p:extLst>
+      <p:ext uri="{BB962C8B-B14F-4D97-AF65-F5344CB8AC3E}">
+        <p14:creationId xmlns:p14="http://schemas.microsoft.com/office/powerpoint/2010/main" val="821933034"/>
+      </p:ext>
+    </p:extLst>
+  </p:cSld>
+  <p:clrMapOvr>
+    <a:masterClrMapping/>
+  </p:clrMapOvr>
+</p:sld>
+</file>
+
+<file path=ppt/slides/slide6.xml><?xml version="1.0" encoding="utf-8"?>
+<p:sld xmlns:a="http://schemas.openxmlformats.org/drawingml/2006/main" xmlns:r="http://schemas.openxmlformats.org/officeDocument/2006/relationships" xmlns:p="http://schemas.openxmlformats.org/presentationml/2006/main">
+  <p:cSld>
+    <p:spTree>
+      <p:nvGrpSpPr>
+        <p:cNvPr id="1" name=""/>
+        <p:cNvGrpSpPr/>
+        <p:nvPr/>
+      </p:nvGrpSpPr>
+      <p:grpSpPr>
+        <a:xfrm>
+          <a:off x="0" y="0"/>
+          <a:ext cx="0" cy="0"/>
+          <a:chOff x="0" y="0"/>
+          <a:chExt cx="0" cy="0"/>
+        </a:xfrm>
+      </p:grpSpPr>
+      <p:sp>
+        <p:nvSpPr>
+          <p:cNvPr id="2" name="タイトル 1">
+            <a:extLst>
+              <a:ext uri="{FF2B5EF4-FFF2-40B4-BE49-F238E27FC236}">
+                <a16:creationId xmlns:a16="http://schemas.microsoft.com/office/drawing/2014/main" id="{9F895F7C-5B6C-451E-BFC4-B16C76158F34}"/>
+              </a:ext>
+            </a:extLst>
+          </p:cNvPr>
+          <p:cNvSpPr>
+            <a:spLocks noGrp="1"/>
+          </p:cNvSpPr>
+          <p:nvPr>
+            <p:ph type="title"/>
+          </p:nvPr>
+        </p:nvSpPr>
+        <p:spPr/>
+        <p:txBody>
+          <a:bodyPr/>
+          <a:lstStyle/>
+          <a:p>
+            <a:r>
+              <a:rPr kumimoji="1" lang="ja-JP" altLang="en-US" dirty="0"/>
+              <a:t>その他確認事項</a:t>
+            </a:r>
+          </a:p>
+        </p:txBody>
+      </p:sp>
+      <p:sp>
+        <p:nvSpPr>
+          <p:cNvPr id="3" name="コンテンツ プレースホルダー 2">
+            <a:extLst>
+              <a:ext uri="{FF2B5EF4-FFF2-40B4-BE49-F238E27FC236}">
+                <a16:creationId xmlns:a16="http://schemas.microsoft.com/office/drawing/2014/main" id="{916B11E3-9E72-4467-99B2-096A565E0FF2}"/>
+              </a:ext>
+            </a:extLst>
+          </p:cNvPr>
+          <p:cNvSpPr>
+            <a:spLocks noGrp="1"/>
+          </p:cNvSpPr>
+          <p:nvPr>
+            <p:ph idx="1"/>
+          </p:nvPr>
+        </p:nvSpPr>
+        <p:spPr/>
+        <p:txBody>
+          <a:bodyPr/>
+          <a:lstStyle/>
+          <a:p>
+            <a:r>
+              <a:rPr lang="ja-JP" altLang="en-US" dirty="0"/>
+              <a:t>現地顧客の連絡先</a:t>
+            </a:r>
+            <a:endParaRPr lang="en-US" altLang="ja-JP" dirty="0"/>
+          </a:p>
+          <a:p>
+            <a:r>
+              <a:rPr lang="ja-JP" altLang="en-US" dirty="0"/>
+              <a:t>現地作業時の弊社連絡先</a:t>
+            </a:r>
+            <a:endParaRPr lang="en-US" altLang="ja-JP" dirty="0"/>
+          </a:p>
+          <a:p>
+            <a:r>
+              <a:rPr lang="ja-JP" altLang="en-US" dirty="0"/>
+              <a:t>製造所の入構</a:t>
+            </a:r>
+            <a:endParaRPr lang="en-US" altLang="ja-JP" dirty="0"/>
+          </a:p>
+          <a:p>
+            <a:r>
+              <a:rPr kumimoji="1" lang="ja-JP" altLang="en-US" dirty="0"/>
+              <a:t>納品ドキュメント</a:t>
+            </a:r>
+          </a:p>
+        </p:txBody>
+      </p:sp>
+    </p:spTree>
+    <p:extLst>
+      <p:ext uri="{BB962C8B-B14F-4D97-AF65-F5344CB8AC3E}">
+        <p14:creationId xmlns:p14="http://schemas.microsoft.com/office/powerpoint/2010/main" val="2874020093"/>
       </p:ext>
     </p:extLst>
   </p:cSld>
